--- a/HW3_呼吸燈.pptx
+++ b/HW3_呼吸燈.pptx
@@ -6,8 +6,15 @@
   </p:sldMasterIdLst>
   <p:sldIdLst>
     <p:sldId id="256" r:id="rId2"/>
-    <p:sldId id="258" r:id="rId3"/>
+    <p:sldId id="259" r:id="rId3"/>
     <p:sldId id="257" r:id="rId4"/>
+    <p:sldId id="258" r:id="rId5"/>
+    <p:sldId id="260" r:id="rId6"/>
+    <p:sldId id="261" r:id="rId7"/>
+    <p:sldId id="264" r:id="rId8"/>
+    <p:sldId id="262" r:id="rId9"/>
+    <p:sldId id="263" r:id="rId10"/>
+    <p:sldId id="265" r:id="rId11"/>
   </p:sldIdLst>
   <p:sldSz cx="12192000" cy="6858000"/>
   <p:notesSz cx="6858000" cy="9144000"/>
@@ -351,7 +358,7 @@
           <a:p>
             <a:fld id="{9275EF9D-446A-4BA9-9A8F-8795C824CFA3}" type="datetimeFigureOut">
               <a:rPr lang="zh-TW" altLang="en-US" smtClean="0"/>
-              <a:t>2024/11/5</a:t>
+              <a:t>2025/1/7</a:t>
             </a:fld>
             <a:endParaRPr lang="zh-TW" altLang="en-US"/>
           </a:p>
@@ -519,7 +526,7 @@
           <a:p>
             <a:fld id="{9275EF9D-446A-4BA9-9A8F-8795C824CFA3}" type="datetimeFigureOut">
               <a:rPr lang="zh-TW" altLang="en-US" smtClean="0"/>
-              <a:t>2024/11/5</a:t>
+              <a:t>2025/1/7</a:t>
             </a:fld>
             <a:endParaRPr lang="zh-TW" altLang="en-US"/>
           </a:p>
@@ -697,7 +704,7 @@
           <a:p>
             <a:fld id="{9275EF9D-446A-4BA9-9A8F-8795C824CFA3}" type="datetimeFigureOut">
               <a:rPr lang="zh-TW" altLang="en-US" smtClean="0"/>
-              <a:t>2024/11/5</a:t>
+              <a:t>2025/1/7</a:t>
             </a:fld>
             <a:endParaRPr lang="zh-TW" altLang="en-US"/>
           </a:p>
@@ -865,7 +872,7 @@
           <a:p>
             <a:fld id="{9275EF9D-446A-4BA9-9A8F-8795C824CFA3}" type="datetimeFigureOut">
               <a:rPr lang="zh-TW" altLang="en-US" smtClean="0"/>
-              <a:t>2024/11/5</a:t>
+              <a:t>2025/1/7</a:t>
             </a:fld>
             <a:endParaRPr lang="zh-TW" altLang="en-US"/>
           </a:p>
@@ -1110,7 +1117,7 @@
           <a:p>
             <a:fld id="{9275EF9D-446A-4BA9-9A8F-8795C824CFA3}" type="datetimeFigureOut">
               <a:rPr lang="zh-TW" altLang="en-US" smtClean="0"/>
-              <a:t>2024/11/5</a:t>
+              <a:t>2025/1/7</a:t>
             </a:fld>
             <a:endParaRPr lang="zh-TW" altLang="en-US"/>
           </a:p>
@@ -1339,7 +1346,7 @@
           <a:p>
             <a:fld id="{9275EF9D-446A-4BA9-9A8F-8795C824CFA3}" type="datetimeFigureOut">
               <a:rPr lang="zh-TW" altLang="en-US" smtClean="0"/>
-              <a:t>2024/11/5</a:t>
+              <a:t>2025/1/7</a:t>
             </a:fld>
             <a:endParaRPr lang="zh-TW" altLang="en-US"/>
           </a:p>
@@ -1703,7 +1710,7 @@
           <a:p>
             <a:fld id="{9275EF9D-446A-4BA9-9A8F-8795C824CFA3}" type="datetimeFigureOut">
               <a:rPr lang="zh-TW" altLang="en-US" smtClean="0"/>
-              <a:t>2024/11/5</a:t>
+              <a:t>2025/1/7</a:t>
             </a:fld>
             <a:endParaRPr lang="zh-TW" altLang="en-US"/>
           </a:p>
@@ -1820,7 +1827,7 @@
           <a:p>
             <a:fld id="{9275EF9D-446A-4BA9-9A8F-8795C824CFA3}" type="datetimeFigureOut">
               <a:rPr lang="zh-TW" altLang="en-US" smtClean="0"/>
-              <a:t>2024/11/5</a:t>
+              <a:t>2025/1/7</a:t>
             </a:fld>
             <a:endParaRPr lang="zh-TW" altLang="en-US"/>
           </a:p>
@@ -1915,7 +1922,7 @@
           <a:p>
             <a:fld id="{9275EF9D-446A-4BA9-9A8F-8795C824CFA3}" type="datetimeFigureOut">
               <a:rPr lang="zh-TW" altLang="en-US" smtClean="0"/>
-              <a:t>2024/11/5</a:t>
+              <a:t>2025/1/7</a:t>
             </a:fld>
             <a:endParaRPr lang="zh-TW" altLang="en-US"/>
           </a:p>
@@ -2190,7 +2197,7 @@
           <a:p>
             <a:fld id="{9275EF9D-446A-4BA9-9A8F-8795C824CFA3}" type="datetimeFigureOut">
               <a:rPr lang="zh-TW" altLang="en-US" smtClean="0"/>
-              <a:t>2024/11/5</a:t>
+              <a:t>2025/1/7</a:t>
             </a:fld>
             <a:endParaRPr lang="zh-TW" altLang="en-US"/>
           </a:p>
@@ -2442,7 +2449,7 @@
           <a:p>
             <a:fld id="{9275EF9D-446A-4BA9-9A8F-8795C824CFA3}" type="datetimeFigureOut">
               <a:rPr lang="zh-TW" altLang="en-US" smtClean="0"/>
-              <a:t>2024/11/5</a:t>
+              <a:t>2025/1/7</a:t>
             </a:fld>
             <a:endParaRPr lang="zh-TW" altLang="en-US"/>
           </a:p>
@@ -2653,7 +2660,7 @@
           <a:p>
             <a:fld id="{9275EF9D-446A-4BA9-9A8F-8795C824CFA3}" type="datetimeFigureOut">
               <a:rPr lang="zh-TW" altLang="en-US" smtClean="0"/>
-              <a:t>2024/11/5</a:t>
+              <a:t>2025/1/7</a:t>
             </a:fld>
             <a:endParaRPr lang="zh-TW" altLang="en-US"/>
           </a:p>
@@ -3115,7 +3122,593 @@
 </p:sld>
 </file>
 
+<file path=ppt/slides/slide10.xml><?xml version="1.0" encoding="utf-8"?>
+<p:sld xmlns:a="http://schemas.openxmlformats.org/drawingml/2006/main" xmlns:r="http://schemas.openxmlformats.org/officeDocument/2006/relationships" xmlns:p="http://schemas.openxmlformats.org/presentationml/2006/main">
+  <p:cSld>
+    <p:spTree>
+      <p:nvGrpSpPr>
+        <p:cNvPr id="1" name=""/>
+        <p:cNvGrpSpPr/>
+        <p:nvPr/>
+      </p:nvGrpSpPr>
+      <p:grpSpPr>
+        <a:xfrm>
+          <a:off x="0" y="0"/>
+          <a:ext cx="0" cy="0"/>
+          <a:chOff x="0" y="0"/>
+          <a:chExt cx="0" cy="0"/>
+        </a:xfrm>
+      </p:grpSpPr>
+      <p:sp>
+        <p:nvSpPr>
+          <p:cNvPr id="2" name="標題 1">
+            <a:extLst>
+              <a:ext uri="{FF2B5EF4-FFF2-40B4-BE49-F238E27FC236}">
+                <a16:creationId xmlns:a16="http://schemas.microsoft.com/office/drawing/2014/main" id="{2C086551-E8A6-8217-C6BC-D9044A8D2765}"/>
+              </a:ext>
+            </a:extLst>
+          </p:cNvPr>
+          <p:cNvSpPr>
+            <a:spLocks noGrp="1"/>
+          </p:cNvSpPr>
+          <p:nvPr>
+            <p:ph type="title"/>
+          </p:nvPr>
+        </p:nvSpPr>
+        <p:spPr/>
+        <p:txBody>
+          <a:bodyPr/>
+          <a:lstStyle/>
+          <a:p>
+            <a:r>
+              <a:rPr lang="zh-TW" altLang="en-US" dirty="0">
+                <a:ea typeface="新細明體"/>
+              </a:rPr>
+              <a:t>程式碼</a:t>
+            </a:r>
+            <a:r>
+              <a:rPr lang="en-US" altLang="zh-TW" dirty="0">
+                <a:ea typeface="新細明體"/>
+              </a:rPr>
+              <a:t>_</a:t>
+            </a:r>
+            <a:r>
+              <a:rPr lang="zh-TW" altLang="en-US" dirty="0">
+                <a:ea typeface="新細明體"/>
+              </a:rPr>
+              <a:t>計數器</a:t>
+            </a:r>
+            <a:r>
+              <a:rPr lang="en-US" altLang="zh-TW" dirty="0">
+                <a:ea typeface="新細明體"/>
+              </a:rPr>
+              <a:t>+</a:t>
+            </a:r>
+            <a:r>
+              <a:rPr lang="zh-TW" altLang="en-US" dirty="0">
+                <a:ea typeface="新細明體"/>
+              </a:rPr>
+              <a:t>除頻器</a:t>
+            </a:r>
+          </a:p>
+        </p:txBody>
+      </p:sp>
+      <p:pic>
+        <p:nvPicPr>
+          <p:cNvPr id="3" name="內容版面配置區 2">
+            <a:extLst>
+              <a:ext uri="{FF2B5EF4-FFF2-40B4-BE49-F238E27FC236}">
+                <a16:creationId xmlns:a16="http://schemas.microsoft.com/office/drawing/2014/main" id="{E983CD5E-77A8-4E8F-87E2-90656CE41416}"/>
+              </a:ext>
+            </a:extLst>
+          </p:cNvPr>
+          <p:cNvPicPr>
+            <a:picLocks noGrp="1" noChangeAspect="1"/>
+          </p:cNvPicPr>
+          <p:nvPr>
+            <p:ph idx="1"/>
+          </p:nvPr>
+        </p:nvPicPr>
+        <p:blipFill>
+          <a:blip r:embed="rId2"/>
+          <a:stretch>
+            <a:fillRect/>
+          </a:stretch>
+        </p:blipFill>
+        <p:spPr>
+          <a:xfrm>
+            <a:off x="1931713" y="1374511"/>
+            <a:ext cx="3016805" cy="5483489"/>
+          </a:xfrm>
+          <a:prstGeom prst="rect">
+            <a:avLst/>
+          </a:prstGeom>
+        </p:spPr>
+      </p:pic>
+      <p:pic>
+        <p:nvPicPr>
+          <p:cNvPr id="5" name="圖片 4">
+            <a:extLst>
+              <a:ext uri="{FF2B5EF4-FFF2-40B4-BE49-F238E27FC236}">
+                <a16:creationId xmlns:a16="http://schemas.microsoft.com/office/drawing/2014/main" id="{D2B152FD-950C-4AB4-B893-3D72A0C1C050}"/>
+              </a:ext>
+            </a:extLst>
+          </p:cNvPr>
+          <p:cNvPicPr>
+            <a:picLocks noChangeAspect="1"/>
+          </p:cNvPicPr>
+          <p:nvPr/>
+        </p:nvPicPr>
+        <p:blipFill>
+          <a:blip r:embed="rId3"/>
+          <a:stretch>
+            <a:fillRect/>
+          </a:stretch>
+        </p:blipFill>
+        <p:spPr>
+          <a:xfrm>
+            <a:off x="7243484" y="2282698"/>
+            <a:ext cx="2896004" cy="3153215"/>
+          </a:xfrm>
+          <a:prstGeom prst="rect">
+            <a:avLst/>
+          </a:prstGeom>
+        </p:spPr>
+      </p:pic>
+    </p:spTree>
+    <p:extLst>
+      <p:ext uri="{BB962C8B-B14F-4D97-AF65-F5344CB8AC3E}">
+        <p14:creationId xmlns:p14="http://schemas.microsoft.com/office/powerpoint/2010/main" val="1395632915"/>
+      </p:ext>
+    </p:extLst>
+  </p:cSld>
+  <p:clrMapOvr>
+    <a:masterClrMapping/>
+  </p:clrMapOvr>
+</p:sld>
+</file>
+
 <file path=ppt/slides/slide2.xml><?xml version="1.0" encoding="utf-8"?>
+<p:sld xmlns:a="http://schemas.openxmlformats.org/drawingml/2006/main" xmlns:r="http://schemas.openxmlformats.org/officeDocument/2006/relationships" xmlns:p="http://schemas.openxmlformats.org/presentationml/2006/main">
+  <p:cSld>
+    <p:spTree>
+      <p:nvGrpSpPr>
+        <p:cNvPr id="1" name=""/>
+        <p:cNvGrpSpPr/>
+        <p:nvPr/>
+      </p:nvGrpSpPr>
+      <p:grpSpPr>
+        <a:xfrm>
+          <a:off x="0" y="0"/>
+          <a:ext cx="0" cy="0"/>
+          <a:chOff x="0" y="0"/>
+          <a:chExt cx="0" cy="0"/>
+        </a:xfrm>
+      </p:grpSpPr>
+      <p:sp>
+        <p:nvSpPr>
+          <p:cNvPr id="2" name="標題 1">
+            <a:extLst>
+              <a:ext uri="{FF2B5EF4-FFF2-40B4-BE49-F238E27FC236}">
+                <a16:creationId xmlns:a16="http://schemas.microsoft.com/office/drawing/2014/main" id="{E6D36897-49B8-5E97-1579-250AF82FB7D8}"/>
+              </a:ext>
+            </a:extLst>
+          </p:cNvPr>
+          <p:cNvSpPr>
+            <a:spLocks noGrp="1"/>
+          </p:cNvSpPr>
+          <p:nvPr>
+            <p:ph type="title"/>
+          </p:nvPr>
+        </p:nvSpPr>
+        <p:spPr/>
+        <p:txBody>
+          <a:bodyPr/>
+          <a:lstStyle/>
+          <a:p>
+            <a:r>
+              <a:rPr lang="zh-TW" altLang="en-US" dirty="0">
+                <a:ea typeface="新細明體"/>
+              </a:rPr>
+              <a:t>功能設定</a:t>
+            </a:r>
+            <a:endParaRPr lang="zh-TW" altLang="en-US" dirty="0"/>
+          </a:p>
+        </p:txBody>
+      </p:sp>
+      <p:sp>
+        <p:nvSpPr>
+          <p:cNvPr id="3" name="內容版面配置區 2">
+            <a:extLst>
+              <a:ext uri="{FF2B5EF4-FFF2-40B4-BE49-F238E27FC236}">
+                <a16:creationId xmlns:a16="http://schemas.microsoft.com/office/drawing/2014/main" id="{7E59DD7F-1934-8FDD-14D5-7F0475DC3F73}"/>
+              </a:ext>
+            </a:extLst>
+          </p:cNvPr>
+          <p:cNvSpPr>
+            <a:spLocks noGrp="1"/>
+          </p:cNvSpPr>
+          <p:nvPr>
+            <p:ph idx="1"/>
+          </p:nvPr>
+        </p:nvSpPr>
+        <p:spPr/>
+        <p:txBody>
+          <a:bodyPr vert="horz" lIns="91440" tIns="45720" rIns="91440" bIns="45720" rtlCol="0" anchor="t">
+            <a:normAutofit lnSpcReduction="10000"/>
+          </a:bodyPr>
+          <a:lstStyle/>
+          <a:p>
+            <a:r>
+              <a:rPr lang="zh-TW" altLang="en-US" dirty="0">
+                <a:latin typeface="新細明體" panose="02020500000000000000" pitchFamily="18" charset="-120"/>
+                <a:ea typeface="新細明體" panose="02020500000000000000" pitchFamily="18" charset="-120"/>
+              </a:rPr>
+              <a:t>呼吸燈有變暗變亮，這個效果來自</a:t>
+            </a:r>
+            <a:r>
+              <a:rPr lang="en-US" altLang="zh-TW" dirty="0">
+                <a:latin typeface="新細明體" panose="02020500000000000000" pitchFamily="18" charset="-120"/>
+                <a:ea typeface="新細明體" panose="02020500000000000000" pitchFamily="18" charset="-120"/>
+              </a:rPr>
+              <a:t>PWM</a:t>
+            </a:r>
+            <a:r>
+              <a:rPr lang="zh-TW" altLang="en-US" dirty="0">
+                <a:latin typeface="新細明體" panose="02020500000000000000" pitchFamily="18" charset="-120"/>
+                <a:ea typeface="新細明體" panose="02020500000000000000" pitchFamily="18" charset="-120"/>
+              </a:rPr>
+              <a:t>的工作週期寬度，所以我們要利用兩個計數器在計數時分別代表</a:t>
+            </a:r>
+            <a:r>
+              <a:rPr lang="en-US" altLang="zh-TW" dirty="0">
+                <a:latin typeface="新細明體" panose="02020500000000000000" pitchFamily="18" charset="-120"/>
+                <a:ea typeface="新細明體" panose="02020500000000000000" pitchFamily="18" charset="-120"/>
+              </a:rPr>
+              <a:t>“HIGH”</a:t>
+            </a:r>
+            <a:r>
+              <a:rPr lang="zh-TW" altLang="en-US" dirty="0">
+                <a:latin typeface="新細明體" panose="02020500000000000000" pitchFamily="18" charset="-120"/>
+                <a:ea typeface="新細明體" panose="02020500000000000000" pitchFamily="18" charset="-120"/>
+              </a:rPr>
+              <a:t>和</a:t>
+            </a:r>
+            <a:r>
+              <a:rPr lang="en-US" altLang="zh-TW" dirty="0">
+                <a:latin typeface="新細明體" panose="02020500000000000000" pitchFamily="18" charset="-120"/>
+                <a:ea typeface="新細明體" panose="02020500000000000000" pitchFamily="18" charset="-120"/>
+              </a:rPr>
+              <a:t>“LOW”</a:t>
+            </a:r>
+            <a:r>
+              <a:rPr lang="zh-TW" altLang="en-US" dirty="0">
+                <a:latin typeface="新細明體" panose="02020500000000000000" pitchFamily="18" charset="-120"/>
+                <a:ea typeface="新細明體" panose="02020500000000000000" pitchFamily="18" charset="-120"/>
+              </a:rPr>
+              <a:t>兩個狀態。</a:t>
+            </a:r>
+            <a:endParaRPr lang="en-US" altLang="zh-TW" dirty="0">
+              <a:latin typeface="新細明體" panose="02020500000000000000" pitchFamily="18" charset="-120"/>
+              <a:ea typeface="新細明體" panose="02020500000000000000" pitchFamily="18" charset="-120"/>
+            </a:endParaRPr>
+          </a:p>
+          <a:p>
+            <a:r>
+              <a:rPr lang="zh-TW" altLang="en-US" dirty="0">
+                <a:latin typeface="新細明體" panose="02020500000000000000" pitchFamily="18" charset="-120"/>
+                <a:ea typeface="新細明體" panose="02020500000000000000" pitchFamily="18" charset="-120"/>
+              </a:rPr>
+              <a:t>為了使變暗變亮的過程可以使人眼看清，</a:t>
+            </a:r>
+            <a:r>
+              <a:rPr lang="zh-TW" altLang="en-US" dirty="0">
+                <a:latin typeface="新細明體" panose="02020500000000000000" pitchFamily="18" charset="-120"/>
+              </a:rPr>
+              <a:t>必須讓一個亮度維持</a:t>
+            </a:r>
+            <a:r>
+              <a:rPr lang="en-US" altLang="zh-TW" dirty="0">
+                <a:latin typeface="新細明體" panose="02020500000000000000" pitchFamily="18" charset="-120"/>
+              </a:rPr>
+              <a:t>n</a:t>
+            </a:r>
+            <a:r>
+              <a:rPr lang="zh-TW" altLang="en-US" dirty="0">
+                <a:latin typeface="新細明體" panose="02020500000000000000" pitchFamily="18" charset="-120"/>
+              </a:rPr>
+              <a:t>個週期在切換至下個亮度</a:t>
+            </a:r>
+            <a:r>
+              <a:rPr lang="zh-TW" altLang="en-US" dirty="0">
+                <a:latin typeface="新細明體" panose="02020500000000000000" pitchFamily="18" charset="-120"/>
+                <a:ea typeface="新細明體" panose="02020500000000000000" pitchFamily="18" charset="-120"/>
+              </a:rPr>
+              <a:t>，但又要讓它不至於慢到看起來在閃爍，所以需要去對頻率進行設定，這部分會在後面提到。</a:t>
+            </a:r>
+            <a:endParaRPr lang="en-US" altLang="zh-TW" dirty="0">
+              <a:latin typeface="新細明體" panose="02020500000000000000" pitchFamily="18" charset="-120"/>
+              <a:ea typeface="新細明體" panose="02020500000000000000" pitchFamily="18" charset="-120"/>
+            </a:endParaRPr>
+          </a:p>
+          <a:p>
+            <a:r>
+              <a:rPr lang="zh-TW" altLang="en-US" dirty="0">
+                <a:latin typeface="新細明體" panose="02020500000000000000" pitchFamily="18" charset="-120"/>
+                <a:ea typeface="新細明體" panose="02020500000000000000" pitchFamily="18" charset="-120"/>
+              </a:rPr>
+              <a:t>想要切換到下個亮度就必須對兩個計數器的上限去做調整，若</a:t>
+            </a:r>
+            <a:r>
+              <a:rPr lang="en-US" altLang="zh-TW" dirty="0">
+                <a:latin typeface="新細明體" panose="02020500000000000000" pitchFamily="18" charset="-120"/>
+                <a:ea typeface="新細明體" panose="02020500000000000000" pitchFamily="18" charset="-120"/>
+              </a:rPr>
+              <a:t>counter1</a:t>
+            </a:r>
+            <a:r>
+              <a:rPr lang="zh-TW" altLang="en-US" dirty="0">
+                <a:latin typeface="新細明體" panose="02020500000000000000" pitchFamily="18" charset="-120"/>
+                <a:ea typeface="新細明體" panose="02020500000000000000" pitchFamily="18" charset="-120"/>
+              </a:rPr>
+              <a:t>的上限降低且</a:t>
+            </a:r>
+            <a:r>
+              <a:rPr lang="en-US" altLang="zh-TW" dirty="0">
+                <a:latin typeface="新細明體" panose="02020500000000000000" pitchFamily="18" charset="-120"/>
+                <a:ea typeface="新細明體" panose="02020500000000000000" pitchFamily="18" charset="-120"/>
+              </a:rPr>
+              <a:t>counter2</a:t>
+            </a:r>
+            <a:r>
+              <a:rPr lang="zh-TW" altLang="en-US" dirty="0">
+                <a:latin typeface="新細明體" panose="02020500000000000000" pitchFamily="18" charset="-120"/>
+                <a:ea typeface="新細明體" panose="02020500000000000000" pitchFamily="18" charset="-120"/>
+              </a:rPr>
+              <a:t>的上限提高，會使亮度變暗，反之則變亮。</a:t>
+            </a:r>
+            <a:endParaRPr lang="en-US" altLang="zh-TW" dirty="0">
+              <a:latin typeface="新細明體" panose="02020500000000000000" pitchFamily="18" charset="-120"/>
+              <a:ea typeface="新細明體" panose="02020500000000000000" pitchFamily="18" charset="-120"/>
+            </a:endParaRPr>
+          </a:p>
+          <a:p>
+            <a:r>
+              <a:rPr lang="zh-TW" altLang="en-US" dirty="0">
+                <a:latin typeface="新細明體" panose="02020500000000000000" pitchFamily="18" charset="-120"/>
+                <a:ea typeface="新細明體" panose="02020500000000000000" pitchFamily="18" charset="-120"/>
+              </a:rPr>
+              <a:t>再來我們希望可以去對變暗變亮的部分進行速度控制，就要透過調整</a:t>
+            </a:r>
+            <a:r>
+              <a:rPr lang="en-US" altLang="zh-TW" dirty="0">
+                <a:latin typeface="新細明體" panose="02020500000000000000" pitchFamily="18" charset="-120"/>
+                <a:ea typeface="新細明體" panose="02020500000000000000" pitchFamily="18" charset="-120"/>
+              </a:rPr>
+              <a:t>n</a:t>
+            </a:r>
+            <a:r>
+              <a:rPr lang="zh-TW" altLang="en-US" dirty="0">
+                <a:latin typeface="新細明體" panose="02020500000000000000" pitchFamily="18" charset="-120"/>
+                <a:ea typeface="新細明體" panose="02020500000000000000" pitchFamily="18" charset="-120"/>
+              </a:rPr>
+              <a:t>個週期的參數，當</a:t>
+            </a:r>
+            <a:r>
+              <a:rPr lang="en-US" altLang="zh-TW" dirty="0">
+                <a:latin typeface="新細明體" panose="02020500000000000000" pitchFamily="18" charset="-120"/>
+                <a:ea typeface="新細明體" panose="02020500000000000000" pitchFamily="18" charset="-120"/>
+              </a:rPr>
+              <a:t>n</a:t>
+            </a:r>
+            <a:r>
+              <a:rPr lang="zh-TW" altLang="en-US" dirty="0">
+                <a:latin typeface="新細明體" panose="02020500000000000000" pitchFamily="18" charset="-120"/>
+                <a:ea typeface="新細明體" panose="02020500000000000000" pitchFamily="18" charset="-120"/>
+              </a:rPr>
+              <a:t>減少呼吸會變急促，</a:t>
+            </a:r>
+            <a:r>
+              <a:rPr lang="en-US" altLang="zh-TW" dirty="0">
+                <a:latin typeface="新細明體" panose="02020500000000000000" pitchFamily="18" charset="-120"/>
+                <a:ea typeface="新細明體" panose="02020500000000000000" pitchFamily="18" charset="-120"/>
+              </a:rPr>
+              <a:t>n</a:t>
+            </a:r>
+            <a:r>
+              <a:rPr lang="zh-TW" altLang="en-US" dirty="0">
+                <a:latin typeface="新細明體" panose="02020500000000000000" pitchFamily="18" charset="-120"/>
+                <a:ea typeface="新細明體" panose="02020500000000000000" pitchFamily="18" charset="-120"/>
+              </a:rPr>
+              <a:t>增加呼吸會變緩慢。</a:t>
+            </a:r>
+            <a:endParaRPr lang="en-US" altLang="zh-TW" dirty="0">
+              <a:latin typeface="新細明體" panose="02020500000000000000" pitchFamily="18" charset="-120"/>
+              <a:ea typeface="新細明體" panose="02020500000000000000" pitchFamily="18" charset="-120"/>
+            </a:endParaRPr>
+          </a:p>
+          <a:p>
+            <a:endParaRPr lang="zh-TW" altLang="en-US" dirty="0">
+              <a:latin typeface="新細明體" panose="02020500000000000000" pitchFamily="18" charset="-120"/>
+              <a:ea typeface="新細明體" panose="02020500000000000000" pitchFamily="18" charset="-120"/>
+            </a:endParaRPr>
+          </a:p>
+        </p:txBody>
+      </p:sp>
+    </p:spTree>
+    <p:extLst>
+      <p:ext uri="{BB962C8B-B14F-4D97-AF65-F5344CB8AC3E}">
+        <p14:creationId xmlns:p14="http://schemas.microsoft.com/office/powerpoint/2010/main" val="2736033747"/>
+      </p:ext>
+    </p:extLst>
+  </p:cSld>
+  <p:clrMapOvr>
+    <a:masterClrMapping/>
+  </p:clrMapOvr>
+</p:sld>
+</file>
+
+<file path=ppt/slides/slide3.xml><?xml version="1.0" encoding="utf-8"?>
+<p:sld xmlns:a="http://schemas.openxmlformats.org/drawingml/2006/main" xmlns:r="http://schemas.openxmlformats.org/officeDocument/2006/relationships" xmlns:p="http://schemas.openxmlformats.org/presentationml/2006/main">
+  <p:cSld>
+    <p:spTree>
+      <p:nvGrpSpPr>
+        <p:cNvPr id="1" name=""/>
+        <p:cNvGrpSpPr/>
+        <p:nvPr/>
+      </p:nvGrpSpPr>
+      <p:grpSpPr>
+        <a:xfrm>
+          <a:off x="0" y="0"/>
+          <a:ext cx="0" cy="0"/>
+          <a:chOff x="0" y="0"/>
+          <a:chExt cx="0" cy="0"/>
+        </a:xfrm>
+      </p:grpSpPr>
+      <p:sp>
+        <p:nvSpPr>
+          <p:cNvPr id="2" name="標題 1">
+            <a:extLst>
+              <a:ext uri="{FF2B5EF4-FFF2-40B4-BE49-F238E27FC236}">
+                <a16:creationId xmlns:a16="http://schemas.microsoft.com/office/drawing/2014/main" id="{E6D36897-49B8-5E97-1579-250AF82FB7D8}"/>
+              </a:ext>
+            </a:extLst>
+          </p:cNvPr>
+          <p:cNvSpPr>
+            <a:spLocks noGrp="1"/>
+          </p:cNvSpPr>
+          <p:nvPr>
+            <p:ph type="title"/>
+          </p:nvPr>
+        </p:nvSpPr>
+        <p:spPr/>
+        <p:txBody>
+          <a:bodyPr/>
+          <a:lstStyle/>
+          <a:p>
+            <a:r>
+              <a:rPr lang="zh-TW" altLang="en-US">
+                <a:ea typeface="新細明體"/>
+              </a:rPr>
+              <a:t>頻率設定</a:t>
+            </a:r>
+            <a:endParaRPr lang="zh-TW" altLang="en-US"/>
+          </a:p>
+        </p:txBody>
+      </p:sp>
+      <p:sp>
+        <p:nvSpPr>
+          <p:cNvPr id="3" name="內容版面配置區 2">
+            <a:extLst>
+              <a:ext uri="{FF2B5EF4-FFF2-40B4-BE49-F238E27FC236}">
+                <a16:creationId xmlns:a16="http://schemas.microsoft.com/office/drawing/2014/main" id="{7E59DD7F-1934-8FDD-14D5-7F0475DC3F73}"/>
+              </a:ext>
+            </a:extLst>
+          </p:cNvPr>
+          <p:cNvSpPr>
+            <a:spLocks noGrp="1"/>
+          </p:cNvSpPr>
+          <p:nvPr>
+            <p:ph idx="1"/>
+          </p:nvPr>
+        </p:nvSpPr>
+        <p:spPr/>
+        <p:txBody>
+          <a:bodyPr vert="horz" lIns="91440" tIns="45720" rIns="91440" bIns="45720" rtlCol="0" anchor="t">
+            <a:normAutofit/>
+          </a:bodyPr>
+          <a:lstStyle/>
+          <a:p>
+            <a:r>
+              <a:rPr lang="zh-TW" altLang="en-US" dirty="0">
+                <a:latin typeface="新細明體" panose="02020500000000000000" pitchFamily="18" charset="-120"/>
+                <a:ea typeface="新細明體" panose="02020500000000000000" pitchFamily="18" charset="-120"/>
+              </a:rPr>
+              <a:t>假設呼吸燈最急促的時候</a:t>
+            </a:r>
+            <a:r>
+              <a:rPr lang="zh-TW" dirty="0">
+                <a:latin typeface="新細明體" panose="02020500000000000000" pitchFamily="18" charset="-120"/>
+                <a:ea typeface="新細明體" panose="02020500000000000000" pitchFamily="18" charset="-120"/>
+              </a:rPr>
+              <a:t>是16個週期</a:t>
+            </a:r>
+            <a:r>
+              <a:rPr lang="zh-TW" altLang="en-US" dirty="0">
+                <a:latin typeface="新細明體" panose="02020500000000000000" pitchFamily="18" charset="-120"/>
+                <a:ea typeface="新細明體" panose="02020500000000000000" pitchFamily="18" charset="-120"/>
+              </a:rPr>
+              <a:t>，而我希望0.1秒可以完成變暗或變亮的動作，因此要達到(1個週期的時間*256*16*256) = 0.1秒，所以可知所需頻率約為</a:t>
+            </a:r>
+            <a:r>
+              <a:rPr lang="zh-TW" dirty="0">
+                <a:latin typeface="新細明體" panose="02020500000000000000" pitchFamily="18" charset="-120"/>
+                <a:ea typeface="新細明體" panose="02020500000000000000" pitchFamily="18" charset="-120"/>
+                <a:cs typeface="+mn-lt"/>
+              </a:rPr>
+              <a:t>10,485,760</a:t>
+            </a:r>
+            <a:r>
+              <a:rPr lang="zh-TW" altLang="en-US" dirty="0">
+                <a:latin typeface="新細明體" panose="02020500000000000000" pitchFamily="18" charset="-120"/>
+                <a:ea typeface="新細明體" panose="02020500000000000000" pitchFamily="18" charset="-120"/>
+                <a:cs typeface="+mn-lt"/>
+              </a:rPr>
+              <a:t> </a:t>
+            </a:r>
+            <a:r>
+              <a:rPr lang="en-US" altLang="zh-TW" dirty="0">
+                <a:latin typeface="新細明體" panose="02020500000000000000" pitchFamily="18" charset="-120"/>
+                <a:ea typeface="新細明體" panose="02020500000000000000" pitchFamily="18" charset="-120"/>
+                <a:cs typeface="+mn-lt"/>
+              </a:rPr>
+              <a:t>Hz，而系統時間為100 MHz，約差10倍</a:t>
+            </a:r>
+            <a:r>
+              <a:rPr lang="zh-TW" altLang="en-US" dirty="0">
+                <a:latin typeface="新細明體" panose="02020500000000000000" pitchFamily="18" charset="-120"/>
+                <a:ea typeface="新細明體" panose="02020500000000000000" pitchFamily="18" charset="-120"/>
+                <a:cs typeface="+mn-lt"/>
+              </a:rPr>
+              <a:t>，所以需要將除頻器除以</a:t>
+            </a:r>
+            <a:r>
+              <a:rPr lang="en-US" altLang="zh-TW" dirty="0">
+                <a:latin typeface="新細明體" panose="02020500000000000000" pitchFamily="18" charset="-120"/>
+                <a:ea typeface="新細明體" panose="02020500000000000000" pitchFamily="18" charset="-120"/>
+                <a:cs typeface="+mn-lt"/>
+              </a:rPr>
+              <a:t>10</a:t>
+            </a:r>
+            <a:r>
+              <a:rPr lang="zh-TW" altLang="en-US" dirty="0">
+                <a:latin typeface="新細明體" panose="02020500000000000000" pitchFamily="18" charset="-120"/>
+                <a:ea typeface="新細明體" panose="02020500000000000000" pitchFamily="18" charset="-120"/>
+                <a:cs typeface="+mn-lt"/>
+              </a:rPr>
+              <a:t>。</a:t>
+            </a:r>
+            <a:endParaRPr lang="zh-TW" altLang="en-US" dirty="0">
+              <a:latin typeface="新細明體" panose="02020500000000000000" pitchFamily="18" charset="-120"/>
+              <a:ea typeface="新細明體" panose="02020500000000000000" pitchFamily="18" charset="-120"/>
+            </a:endParaRPr>
+          </a:p>
+        </p:txBody>
+      </p:sp>
+    </p:spTree>
+    <p:extLst>
+      <p:ext uri="{BB962C8B-B14F-4D97-AF65-F5344CB8AC3E}">
+        <p14:creationId xmlns:p14="http://schemas.microsoft.com/office/powerpoint/2010/main" val="337865563"/>
+      </p:ext>
+    </p:extLst>
+  </p:cSld>
+  <p:clrMapOvr>
+    <a:masterClrMapping/>
+  </p:clrMapOvr>
+</p:sld>
+</file>
+
+<file path=ppt/slides/slide4.xml><?xml version="1.0" encoding="utf-8"?>
 <p:sld xmlns:a="http://schemas.openxmlformats.org/drawingml/2006/main" xmlns:r="http://schemas.openxmlformats.org/officeDocument/2006/relationships" xmlns:p="http://schemas.openxmlformats.org/presentationml/2006/main">
   <p:cSld>
     <p:spTree>
@@ -3207,7 +3800,7 @@
 </p:sld>
 </file>
 
-<file path=ppt/slides/slide3.xml><?xml version="1.0" encoding="utf-8"?>
+<file path=ppt/slides/slide5.xml><?xml version="1.0" encoding="utf-8"?>
 <p:sld xmlns:a="http://schemas.openxmlformats.org/drawingml/2006/main" xmlns:r="http://schemas.openxmlformats.org/officeDocument/2006/relationships" xmlns:p="http://schemas.openxmlformats.org/presentationml/2006/main">
   <p:cSld>
     <p:spTree>
@@ -3246,94 +3839,724 @@
           <a:lstStyle/>
           <a:p>
             <a:r>
-              <a:rPr lang="zh-TW" altLang="en-US">
+              <a:rPr lang="zh-TW" altLang="en-US" dirty="0">
                 <a:ea typeface="新細明體"/>
               </a:rPr>
-              <a:t>頻率設定</a:t>
-            </a:r>
-            <a:endParaRPr lang="zh-TW" altLang="en-US"/>
-          </a:p>
-        </p:txBody>
-      </p:sp>
-      <p:sp>
-        <p:nvSpPr>
+              <a:t>簡易狀態圖</a:t>
+            </a:r>
+            <a:endParaRPr lang="zh-TW" altLang="en-US" dirty="0"/>
+          </a:p>
+        </p:txBody>
+      </p:sp>
+      <p:pic>
+        <p:nvPicPr>
+          <p:cNvPr id="5" name="內容版面配置區 4">
+            <a:extLst>
+              <a:ext uri="{FF2B5EF4-FFF2-40B4-BE49-F238E27FC236}">
+                <a16:creationId xmlns:a16="http://schemas.microsoft.com/office/drawing/2014/main" id="{B483401C-0748-4131-B5F5-AA37268A9687}"/>
+              </a:ext>
+            </a:extLst>
+          </p:cNvPr>
+          <p:cNvPicPr>
+            <a:picLocks noGrp="1" noChangeAspect="1"/>
+          </p:cNvPicPr>
+          <p:nvPr>
+            <p:ph idx="1"/>
+          </p:nvPr>
+        </p:nvPicPr>
+        <p:blipFill>
+          <a:blip r:embed="rId2"/>
+          <a:stretch>
+            <a:fillRect/>
+          </a:stretch>
+        </p:blipFill>
+        <p:spPr>
+          <a:xfrm>
+            <a:off x="1071618" y="1466968"/>
+            <a:ext cx="3934834" cy="5391032"/>
+          </a:xfrm>
+          <a:prstGeom prst="rect">
+            <a:avLst/>
+          </a:prstGeom>
+        </p:spPr>
+      </p:pic>
+      <p:sp>
+        <p:nvSpPr>
+          <p:cNvPr id="6" name="文字方塊 5">
+            <a:extLst>
+              <a:ext uri="{FF2B5EF4-FFF2-40B4-BE49-F238E27FC236}">
+                <a16:creationId xmlns:a16="http://schemas.microsoft.com/office/drawing/2014/main" id="{A3F8A8A6-FD1B-433D-8563-6BAC5253B0AE}"/>
+              </a:ext>
+            </a:extLst>
+          </p:cNvPr>
+          <p:cNvSpPr txBox="1"/>
+          <p:nvPr/>
+        </p:nvSpPr>
+        <p:spPr>
+          <a:xfrm>
+            <a:off x="5239870" y="3429000"/>
+            <a:ext cx="5556329" cy="1200329"/>
+          </a:xfrm>
+          <a:prstGeom prst="rect">
+            <a:avLst/>
+          </a:prstGeom>
+          <a:noFill/>
+        </p:spPr>
+        <p:txBody>
+          <a:bodyPr wrap="none" rtlCol="0">
+            <a:spAutoFit/>
+          </a:bodyPr>
+          <a:lstStyle/>
+          <a:p>
+            <a:r>
+              <a:rPr lang="zh-TW" altLang="en-US" dirty="0"/>
+              <a:t>要在一個亮度維持</a:t>
+            </a:r>
+            <a:r>
+              <a:rPr lang="en-US" altLang="zh-TW" dirty="0"/>
+              <a:t>n</a:t>
+            </a:r>
+            <a:r>
+              <a:rPr lang="zh-TW" altLang="en-US" dirty="0"/>
+              <a:t>個週期後才能切換到下個亮度，</a:t>
+            </a:r>
+            <a:endParaRPr lang="en-US" altLang="zh-TW" dirty="0"/>
+          </a:p>
+          <a:p>
+            <a:r>
+              <a:rPr lang="zh-TW" altLang="en-US" dirty="0"/>
+              <a:t>所以狀態圖中持續變暗和持續變亮還有一個條件就是</a:t>
+            </a:r>
+            <a:r>
+              <a:rPr lang="en-US" altLang="zh-TW" dirty="0"/>
+              <a:t>:</a:t>
+            </a:r>
+            <a:br>
+              <a:rPr lang="en-US" altLang="zh-TW" dirty="0"/>
+            </a:br>
+            <a:r>
+              <a:rPr lang="en-US" altLang="zh-TW" dirty="0" err="1"/>
+              <a:t>pwm_count</a:t>
+            </a:r>
+            <a:r>
+              <a:rPr lang="en-US" altLang="zh-TW" dirty="0"/>
+              <a:t>&gt;=</a:t>
+            </a:r>
+            <a:r>
+              <a:rPr lang="en-US" altLang="zh-TW" dirty="0" err="1"/>
+              <a:t>n_cycle_PWM</a:t>
+            </a:r>
+            <a:endParaRPr lang="en-US" altLang="zh-TW" dirty="0"/>
+          </a:p>
+          <a:p>
+            <a:r>
+              <a:rPr lang="zh-TW" altLang="en-US" dirty="0"/>
+              <a:t>而</a:t>
+            </a:r>
+            <a:r>
+              <a:rPr lang="en-US" altLang="zh-TW" dirty="0" err="1"/>
+              <a:t>pwm_count</a:t>
+            </a:r>
+            <a:r>
+              <a:rPr lang="zh-TW" altLang="en-US" dirty="0"/>
+              <a:t>在每維持完一個周期的亮度就會加</a:t>
+            </a:r>
+            <a:r>
+              <a:rPr lang="en-US" altLang="zh-TW" dirty="0"/>
+              <a:t>1</a:t>
+            </a:r>
+            <a:r>
+              <a:rPr lang="zh-TW" altLang="en-US" dirty="0"/>
+              <a:t>。</a:t>
+            </a:r>
+          </a:p>
+        </p:txBody>
+      </p:sp>
+    </p:spTree>
+    <p:extLst>
+      <p:ext uri="{BB962C8B-B14F-4D97-AF65-F5344CB8AC3E}">
+        <p14:creationId xmlns:p14="http://schemas.microsoft.com/office/powerpoint/2010/main" val="1449359118"/>
+      </p:ext>
+    </p:extLst>
+  </p:cSld>
+  <p:clrMapOvr>
+    <a:masterClrMapping/>
+  </p:clrMapOvr>
+</p:sld>
+</file>
+
+<file path=ppt/slides/slide6.xml><?xml version="1.0" encoding="utf-8"?>
+<p:sld xmlns:a="http://schemas.openxmlformats.org/drawingml/2006/main" xmlns:r="http://schemas.openxmlformats.org/officeDocument/2006/relationships" xmlns:p="http://schemas.openxmlformats.org/presentationml/2006/main">
+  <p:cSld>
+    <p:spTree>
+      <p:nvGrpSpPr>
+        <p:cNvPr id="1" name=""/>
+        <p:cNvGrpSpPr/>
+        <p:nvPr/>
+      </p:nvGrpSpPr>
+      <p:grpSpPr>
+        <a:xfrm>
+          <a:off x="0" y="0"/>
+          <a:ext cx="0" cy="0"/>
+          <a:chOff x="0" y="0"/>
+          <a:chExt cx="0" cy="0"/>
+        </a:xfrm>
+      </p:grpSpPr>
+      <p:sp>
+        <p:nvSpPr>
+          <p:cNvPr id="2" name="標題 1">
+            <a:extLst>
+              <a:ext uri="{FF2B5EF4-FFF2-40B4-BE49-F238E27FC236}">
+                <a16:creationId xmlns:a16="http://schemas.microsoft.com/office/drawing/2014/main" id="{2C086551-E8A6-8217-C6BC-D9044A8D2765}"/>
+              </a:ext>
+            </a:extLst>
+          </p:cNvPr>
+          <p:cNvSpPr>
+            <a:spLocks noGrp="1"/>
+          </p:cNvSpPr>
+          <p:nvPr>
+            <p:ph type="title"/>
+          </p:nvPr>
+        </p:nvSpPr>
+        <p:spPr/>
+        <p:txBody>
+          <a:bodyPr/>
+          <a:lstStyle/>
+          <a:p>
+            <a:r>
+              <a:rPr lang="zh-TW" altLang="en-US" dirty="0">
+                <a:ea typeface="新細明體"/>
+              </a:rPr>
+              <a:t>程式碼</a:t>
+            </a:r>
+            <a:r>
+              <a:rPr lang="en-US" altLang="zh-TW" dirty="0">
+                <a:ea typeface="新細明體"/>
+              </a:rPr>
+              <a:t>_</a:t>
+            </a:r>
+            <a:r>
+              <a:rPr lang="zh-TW" altLang="en-US" dirty="0">
+                <a:ea typeface="新細明體"/>
+              </a:rPr>
+              <a:t>輸入輸出設定</a:t>
+            </a:r>
+            <a:r>
+              <a:rPr lang="en-US" altLang="zh-TW" dirty="0">
+                <a:ea typeface="新細明體"/>
+              </a:rPr>
+              <a:t>+</a:t>
+            </a:r>
+            <a:r>
+              <a:rPr lang="zh-TW" altLang="en-US" dirty="0">
+                <a:ea typeface="新細明體"/>
+              </a:rPr>
+              <a:t>基本參數設定</a:t>
+            </a:r>
+          </a:p>
+        </p:txBody>
+      </p:sp>
+      <p:pic>
+        <p:nvPicPr>
+          <p:cNvPr id="6" name="內容版面配置區 5">
+            <a:extLst>
+              <a:ext uri="{FF2B5EF4-FFF2-40B4-BE49-F238E27FC236}">
+                <a16:creationId xmlns:a16="http://schemas.microsoft.com/office/drawing/2014/main" id="{C3DC1A4A-B365-43F3-AFCD-5D1D8CA2E158}"/>
+              </a:ext>
+            </a:extLst>
+          </p:cNvPr>
+          <p:cNvPicPr>
+            <a:picLocks noGrp="1" noChangeAspect="1"/>
+          </p:cNvPicPr>
+          <p:nvPr>
+            <p:ph idx="1"/>
+          </p:nvPr>
+        </p:nvPicPr>
+        <p:blipFill>
+          <a:blip r:embed="rId2"/>
+          <a:stretch>
+            <a:fillRect/>
+          </a:stretch>
+        </p:blipFill>
+        <p:spPr>
+          <a:xfrm>
+            <a:off x="1037802" y="1795308"/>
+            <a:ext cx="2048161" cy="1543265"/>
+          </a:xfrm>
+          <a:prstGeom prst="rect">
+            <a:avLst/>
+          </a:prstGeom>
+        </p:spPr>
+      </p:pic>
+      <p:pic>
+        <p:nvPicPr>
+          <p:cNvPr id="7" name="圖片 6">
+            <a:extLst>
+              <a:ext uri="{FF2B5EF4-FFF2-40B4-BE49-F238E27FC236}">
+                <a16:creationId xmlns:a16="http://schemas.microsoft.com/office/drawing/2014/main" id="{D101DD3A-2469-47C2-A310-2264CB6FB276}"/>
+              </a:ext>
+            </a:extLst>
+          </p:cNvPr>
+          <p:cNvPicPr>
+            <a:picLocks noChangeAspect="1"/>
+          </p:cNvPicPr>
+          <p:nvPr/>
+        </p:nvPicPr>
+        <p:blipFill>
+          <a:blip r:embed="rId3"/>
+          <a:stretch>
+            <a:fillRect/>
+          </a:stretch>
+        </p:blipFill>
+        <p:spPr>
+          <a:xfrm>
+            <a:off x="5739068" y="1690688"/>
+            <a:ext cx="4353533" cy="4505954"/>
+          </a:xfrm>
+          <a:prstGeom prst="rect">
+            <a:avLst/>
+          </a:prstGeom>
+        </p:spPr>
+      </p:pic>
+    </p:spTree>
+    <p:extLst>
+      <p:ext uri="{BB962C8B-B14F-4D97-AF65-F5344CB8AC3E}">
+        <p14:creationId xmlns:p14="http://schemas.microsoft.com/office/powerpoint/2010/main" val="4048266373"/>
+      </p:ext>
+    </p:extLst>
+  </p:cSld>
+  <p:clrMapOvr>
+    <a:masterClrMapping/>
+  </p:clrMapOvr>
+</p:sld>
+</file>
+
+<file path=ppt/slides/slide7.xml><?xml version="1.0" encoding="utf-8"?>
+<p:sld xmlns:a="http://schemas.openxmlformats.org/drawingml/2006/main" xmlns:r="http://schemas.openxmlformats.org/officeDocument/2006/relationships" xmlns:p="http://schemas.openxmlformats.org/presentationml/2006/main">
+  <p:cSld>
+    <p:spTree>
+      <p:nvGrpSpPr>
+        <p:cNvPr id="1" name=""/>
+        <p:cNvGrpSpPr/>
+        <p:nvPr/>
+      </p:nvGrpSpPr>
+      <p:grpSpPr>
+        <a:xfrm>
+          <a:off x="0" y="0"/>
+          <a:ext cx="0" cy="0"/>
+          <a:chOff x="0" y="0"/>
+          <a:chExt cx="0" cy="0"/>
+        </a:xfrm>
+      </p:grpSpPr>
+      <p:sp>
+        <p:nvSpPr>
+          <p:cNvPr id="2" name="標題 1">
+            <a:extLst>
+              <a:ext uri="{FF2B5EF4-FFF2-40B4-BE49-F238E27FC236}">
+                <a16:creationId xmlns:a16="http://schemas.microsoft.com/office/drawing/2014/main" id="{2C086551-E8A6-8217-C6BC-D9044A8D2765}"/>
+              </a:ext>
+            </a:extLst>
+          </p:cNvPr>
+          <p:cNvSpPr>
+            <a:spLocks noGrp="1"/>
+          </p:cNvSpPr>
+          <p:nvPr>
+            <p:ph type="title"/>
+          </p:nvPr>
+        </p:nvSpPr>
+        <p:spPr/>
+        <p:txBody>
+          <a:bodyPr/>
+          <a:lstStyle/>
+          <a:p>
+            <a:r>
+              <a:rPr lang="zh-TW" altLang="en-US" dirty="0">
+                <a:ea typeface="新細明體"/>
+              </a:rPr>
+              <a:t>程式碼</a:t>
+            </a:r>
+            <a:r>
+              <a:rPr lang="en-US" altLang="zh-TW" dirty="0">
+                <a:ea typeface="新細明體"/>
+              </a:rPr>
+              <a:t>_</a:t>
+            </a:r>
+            <a:r>
+              <a:rPr lang="zh-TW" altLang="en-US" dirty="0">
+                <a:ea typeface="新細明體"/>
+              </a:rPr>
+              <a:t>按鈕處理和控制</a:t>
+            </a:r>
+          </a:p>
+        </p:txBody>
+      </p:sp>
+      <p:pic>
+        <p:nvPicPr>
+          <p:cNvPr id="5" name="內容版面配置區 4">
+            <a:extLst>
+              <a:ext uri="{FF2B5EF4-FFF2-40B4-BE49-F238E27FC236}">
+                <a16:creationId xmlns:a16="http://schemas.microsoft.com/office/drawing/2014/main" id="{A4C30951-D18A-4885-BB13-8D0672CE6D34}"/>
+              </a:ext>
+            </a:extLst>
+          </p:cNvPr>
+          <p:cNvPicPr>
+            <a:picLocks noGrp="1" noChangeAspect="1"/>
+          </p:cNvPicPr>
+          <p:nvPr>
+            <p:ph idx="1"/>
+          </p:nvPr>
+        </p:nvPicPr>
+        <p:blipFill>
+          <a:blip r:embed="rId2"/>
+          <a:stretch>
+            <a:fillRect/>
+          </a:stretch>
+        </p:blipFill>
+        <p:spPr>
+          <a:xfrm>
+            <a:off x="7027685" y="1375547"/>
+            <a:ext cx="4451510" cy="5333492"/>
+          </a:xfrm>
+          <a:prstGeom prst="rect">
+            <a:avLst/>
+          </a:prstGeom>
+        </p:spPr>
+      </p:pic>
+      <p:pic>
+        <p:nvPicPr>
+          <p:cNvPr id="3" name="圖片 2">
+            <a:extLst>
+              <a:ext uri="{FF2B5EF4-FFF2-40B4-BE49-F238E27FC236}">
+                <a16:creationId xmlns:a16="http://schemas.microsoft.com/office/drawing/2014/main" id="{E5E3D2CB-C83A-48EA-B9E9-E254964FEB8F}"/>
+              </a:ext>
+            </a:extLst>
+          </p:cNvPr>
+          <p:cNvPicPr>
+            <a:picLocks noChangeAspect="1"/>
+          </p:cNvPicPr>
+          <p:nvPr/>
+        </p:nvPicPr>
+        <p:blipFill>
+          <a:blip r:embed="rId3"/>
+          <a:stretch>
+            <a:fillRect/>
+          </a:stretch>
+        </p:blipFill>
+        <p:spPr>
+          <a:xfrm>
+            <a:off x="963595" y="1375547"/>
+            <a:ext cx="4754095" cy="5390964"/>
+          </a:xfrm>
+          <a:prstGeom prst="rect">
+            <a:avLst/>
+          </a:prstGeom>
+        </p:spPr>
+      </p:pic>
+    </p:spTree>
+    <p:extLst>
+      <p:ext uri="{BB962C8B-B14F-4D97-AF65-F5344CB8AC3E}">
+        <p14:creationId xmlns:p14="http://schemas.microsoft.com/office/powerpoint/2010/main" val="3922807274"/>
+      </p:ext>
+    </p:extLst>
+  </p:cSld>
+  <p:clrMapOvr>
+    <a:masterClrMapping/>
+  </p:clrMapOvr>
+</p:sld>
+</file>
+
+<file path=ppt/slides/slide8.xml><?xml version="1.0" encoding="utf-8"?>
+<p:sld xmlns:a="http://schemas.openxmlformats.org/drawingml/2006/main" xmlns:r="http://schemas.openxmlformats.org/officeDocument/2006/relationships" xmlns:p="http://schemas.openxmlformats.org/presentationml/2006/main">
+  <p:cSld>
+    <p:spTree>
+      <p:nvGrpSpPr>
+        <p:cNvPr id="1" name=""/>
+        <p:cNvGrpSpPr/>
+        <p:nvPr/>
+      </p:nvGrpSpPr>
+      <p:grpSpPr>
+        <a:xfrm>
+          <a:off x="0" y="0"/>
+          <a:ext cx="0" cy="0"/>
+          <a:chOff x="0" y="0"/>
+          <a:chExt cx="0" cy="0"/>
+        </a:xfrm>
+      </p:grpSpPr>
+      <p:sp>
+        <p:nvSpPr>
+          <p:cNvPr id="2" name="標題 1">
+            <a:extLst>
+              <a:ext uri="{FF2B5EF4-FFF2-40B4-BE49-F238E27FC236}">
+                <a16:creationId xmlns:a16="http://schemas.microsoft.com/office/drawing/2014/main" id="{2C086551-E8A6-8217-C6BC-D9044A8D2765}"/>
+              </a:ext>
+            </a:extLst>
+          </p:cNvPr>
+          <p:cNvSpPr>
+            <a:spLocks noGrp="1"/>
+          </p:cNvSpPr>
+          <p:nvPr>
+            <p:ph type="title"/>
+          </p:nvPr>
+        </p:nvSpPr>
+        <p:spPr/>
+        <p:txBody>
+          <a:bodyPr/>
+          <a:lstStyle/>
+          <a:p>
+            <a:r>
+              <a:rPr lang="zh-TW" altLang="en-US" dirty="0">
+                <a:ea typeface="新細明體"/>
+              </a:rPr>
+              <a:t>程式碼</a:t>
+            </a:r>
+            <a:r>
+              <a:rPr lang="en-US" altLang="zh-TW" dirty="0">
+                <a:ea typeface="新細明體"/>
+              </a:rPr>
+              <a:t>_</a:t>
+            </a:r>
+            <a:r>
+              <a:rPr lang="zh-TW" altLang="en-US" dirty="0">
+                <a:ea typeface="新細明體"/>
+              </a:rPr>
+              <a:t>變暗變亮狀態調整</a:t>
+            </a:r>
+            <a:r>
+              <a:rPr lang="en-US" altLang="zh-TW" dirty="0">
+                <a:ea typeface="新細明體"/>
+              </a:rPr>
+              <a:t>+PWM</a:t>
+            </a:r>
+            <a:r>
+              <a:rPr lang="zh-TW" altLang="en-US" dirty="0">
+                <a:ea typeface="新細明體"/>
+              </a:rPr>
+              <a:t>計數</a:t>
+            </a:r>
+          </a:p>
+        </p:txBody>
+      </p:sp>
+      <p:pic>
+        <p:nvPicPr>
+          <p:cNvPr id="5" name="內容版面配置區 4">
+            <a:extLst>
+              <a:ext uri="{FF2B5EF4-FFF2-40B4-BE49-F238E27FC236}">
+                <a16:creationId xmlns:a16="http://schemas.microsoft.com/office/drawing/2014/main" id="{BA4ED30C-CD58-48AB-86AB-5088B1C0DD4B}"/>
+              </a:ext>
+            </a:extLst>
+          </p:cNvPr>
+          <p:cNvPicPr>
+            <a:picLocks noGrp="1" noChangeAspect="1"/>
+          </p:cNvPicPr>
+          <p:nvPr>
+            <p:ph idx="1"/>
+          </p:nvPr>
+        </p:nvPicPr>
+        <p:blipFill>
+          <a:blip r:embed="rId2"/>
+          <a:stretch>
+            <a:fillRect/>
+          </a:stretch>
+        </p:blipFill>
+        <p:spPr>
+          <a:xfrm>
+            <a:off x="1153611" y="2105846"/>
+            <a:ext cx="4505954" cy="3629532"/>
+          </a:xfrm>
+          <a:prstGeom prst="rect">
+            <a:avLst/>
+          </a:prstGeom>
+        </p:spPr>
+      </p:pic>
+      <p:pic>
+        <p:nvPicPr>
+          <p:cNvPr id="8" name="圖片 7">
+            <a:extLst>
+              <a:ext uri="{FF2B5EF4-FFF2-40B4-BE49-F238E27FC236}">
+                <a16:creationId xmlns:a16="http://schemas.microsoft.com/office/drawing/2014/main" id="{D69E4DDD-D95D-44EB-8095-E8CB5DBCF056}"/>
+              </a:ext>
+            </a:extLst>
+          </p:cNvPr>
+          <p:cNvPicPr>
+            <a:picLocks noChangeAspect="1"/>
+          </p:cNvPicPr>
+          <p:nvPr/>
+        </p:nvPicPr>
+        <p:blipFill>
+          <a:blip r:embed="rId3"/>
+          <a:stretch>
+            <a:fillRect/>
+          </a:stretch>
+        </p:blipFill>
+        <p:spPr>
+          <a:xfrm>
+            <a:off x="6096000" y="1529503"/>
+            <a:ext cx="4401164" cy="4782217"/>
+          </a:xfrm>
+          <a:prstGeom prst="rect">
+            <a:avLst/>
+          </a:prstGeom>
+        </p:spPr>
+      </p:pic>
+    </p:spTree>
+    <p:extLst>
+      <p:ext uri="{BB962C8B-B14F-4D97-AF65-F5344CB8AC3E}">
+        <p14:creationId xmlns:p14="http://schemas.microsoft.com/office/powerpoint/2010/main" val="817076274"/>
+      </p:ext>
+    </p:extLst>
+  </p:cSld>
+  <p:clrMapOvr>
+    <a:masterClrMapping/>
+  </p:clrMapOvr>
+</p:sld>
+</file>
+
+<file path=ppt/slides/slide9.xml><?xml version="1.0" encoding="utf-8"?>
+<p:sld xmlns:a="http://schemas.openxmlformats.org/drawingml/2006/main" xmlns:r="http://schemas.openxmlformats.org/officeDocument/2006/relationships" xmlns:p="http://schemas.openxmlformats.org/presentationml/2006/main">
+  <p:cSld>
+    <p:spTree>
+      <p:nvGrpSpPr>
+        <p:cNvPr id="1" name=""/>
+        <p:cNvGrpSpPr/>
+        <p:nvPr/>
+      </p:nvGrpSpPr>
+      <p:grpSpPr>
+        <a:xfrm>
+          <a:off x="0" y="0"/>
+          <a:ext cx="0" cy="0"/>
+          <a:chOff x="0" y="0"/>
+          <a:chExt cx="0" cy="0"/>
+        </a:xfrm>
+      </p:grpSpPr>
+      <p:sp>
+        <p:nvSpPr>
+          <p:cNvPr id="2" name="標題 1">
+            <a:extLst>
+              <a:ext uri="{FF2B5EF4-FFF2-40B4-BE49-F238E27FC236}">
+                <a16:creationId xmlns:a16="http://schemas.microsoft.com/office/drawing/2014/main" id="{2C086551-E8A6-8217-C6BC-D9044A8D2765}"/>
+              </a:ext>
+            </a:extLst>
+          </p:cNvPr>
+          <p:cNvSpPr>
+            <a:spLocks noGrp="1"/>
+          </p:cNvSpPr>
+          <p:nvPr>
+            <p:ph type="title"/>
+          </p:nvPr>
+        </p:nvSpPr>
+        <p:spPr/>
+        <p:txBody>
+          <a:bodyPr/>
+          <a:lstStyle/>
+          <a:p>
+            <a:r>
+              <a:rPr lang="zh-TW" altLang="en-US" dirty="0">
+                <a:ea typeface="新細明體"/>
+              </a:rPr>
+              <a:t>程式碼</a:t>
+            </a:r>
+            <a:r>
+              <a:rPr lang="en-US" altLang="zh-TW" dirty="0">
+                <a:ea typeface="新細明體"/>
+              </a:rPr>
+              <a:t>_</a:t>
+            </a:r>
+            <a:r>
+              <a:rPr lang="zh-TW" altLang="en-US" dirty="0">
+                <a:ea typeface="新細明體"/>
+              </a:rPr>
+              <a:t>上下限調整</a:t>
+            </a:r>
+            <a:r>
+              <a:rPr lang="en-US" altLang="zh-TW" dirty="0">
+                <a:ea typeface="新細明體"/>
+              </a:rPr>
+              <a:t>+</a:t>
+            </a:r>
+            <a:r>
+              <a:rPr lang="zh-TW" altLang="en-US" dirty="0">
+                <a:ea typeface="新細明體"/>
+              </a:rPr>
+              <a:t>計數器</a:t>
+            </a:r>
+            <a:r>
+              <a:rPr lang="en-US" altLang="zh-TW" dirty="0">
+                <a:ea typeface="新細明體"/>
+              </a:rPr>
+              <a:t>FSM</a:t>
+            </a:r>
+            <a:endParaRPr lang="zh-TW" altLang="en-US" dirty="0">
+              <a:ea typeface="新細明體"/>
+            </a:endParaRPr>
+          </a:p>
+        </p:txBody>
+      </p:sp>
+      <p:pic>
+        <p:nvPicPr>
           <p:cNvPr id="3" name="內容版面配置區 2">
             <a:extLst>
               <a:ext uri="{FF2B5EF4-FFF2-40B4-BE49-F238E27FC236}">
-                <a16:creationId xmlns:a16="http://schemas.microsoft.com/office/drawing/2014/main" id="{7E59DD7F-1934-8FDD-14D5-7F0475DC3F73}"/>
+                <a16:creationId xmlns:a16="http://schemas.microsoft.com/office/drawing/2014/main" id="{2650E8EF-6F78-43BD-92A8-FB0AAEDAA350}"/>
               </a:ext>
             </a:extLst>
           </p:cNvPr>
-          <p:cNvSpPr>
-            <a:spLocks noGrp="1"/>
-          </p:cNvSpPr>
+          <p:cNvPicPr>
+            <a:picLocks noGrp="1" noChangeAspect="1"/>
+          </p:cNvPicPr>
           <p:nvPr>
             <p:ph idx="1"/>
           </p:nvPr>
-        </p:nvSpPr>
-        <p:spPr/>
-        <p:txBody>
-          <a:bodyPr vert="horz" lIns="91440" tIns="45720" rIns="91440" bIns="45720" rtlCol="0" anchor="t">
-            <a:normAutofit/>
-          </a:bodyPr>
-          <a:lstStyle/>
-          <a:p>
-            <a:r>
-              <a:rPr lang="zh-TW" altLang="en-US">
-                <a:latin typeface="PMingLiU"/>
-                <a:ea typeface="PMingLiU"/>
-              </a:rPr>
-              <a:t>假設呼吸燈最急促的時候</a:t>
-            </a:r>
-            <a:r>
-              <a:rPr lang="zh-TW">
-                <a:latin typeface="PMingLiU"/>
-                <a:ea typeface="PMingLiU"/>
-              </a:rPr>
-              <a:t>是16個週期</a:t>
-            </a:r>
-            <a:r>
-              <a:rPr lang="zh-TW" altLang="en-US">
-                <a:latin typeface="PMingLiU"/>
-                <a:ea typeface="PMingLiU"/>
-              </a:rPr>
-              <a:t>，而我希望0.1秒可以完成變暗或變亮的動作，因此要達到(1個週期的時間*256*16*256) = 0.1秒，所以可知所需頻率約為</a:t>
-            </a:r>
-            <a:r>
-              <a:rPr lang="zh-TW">
-                <a:latin typeface="PMingLiU"/>
-                <a:ea typeface="PMingLiU"/>
-                <a:cs typeface="+mn-lt"/>
-              </a:rPr>
-              <a:t>10,485,760</a:t>
-            </a:r>
-            <a:r>
-              <a:rPr lang="zh-TW" altLang="en-US">
-                <a:latin typeface="PMingLiU"/>
-                <a:ea typeface="PMingLiU"/>
-                <a:cs typeface="+mn-lt"/>
-              </a:rPr>
-              <a:t> </a:t>
-            </a:r>
-            <a:r>
-              <a:rPr lang="en-US" altLang="zh-TW" dirty="0">
-                <a:latin typeface="PMingLiU"/>
-                <a:ea typeface="+mn-lt"/>
-                <a:cs typeface="+mn-lt"/>
-              </a:rPr>
-              <a:t>Hz，而系統時間為100 MHz，約差10倍。</a:t>
-            </a:r>
-            <a:endParaRPr lang="zh-TW" altLang="en-US" dirty="0">
-              <a:latin typeface="PMingLiU"/>
-              <a:ea typeface="新細明體"/>
-            </a:endParaRPr>
-          </a:p>
-        </p:txBody>
-      </p:sp>
+        </p:nvPicPr>
+        <p:blipFill>
+          <a:blip r:embed="rId2"/>
+          <a:stretch>
+            <a:fillRect/>
+          </a:stretch>
+        </p:blipFill>
+        <p:spPr>
+          <a:xfrm>
+            <a:off x="1007318" y="1529788"/>
+            <a:ext cx="4997627" cy="5328211"/>
+          </a:xfrm>
+          <a:prstGeom prst="rect">
+            <a:avLst/>
+          </a:prstGeom>
+        </p:spPr>
+      </p:pic>
+      <p:pic>
+        <p:nvPicPr>
+          <p:cNvPr id="5" name="圖片 4">
+            <a:extLst>
+              <a:ext uri="{FF2B5EF4-FFF2-40B4-BE49-F238E27FC236}">
+                <a16:creationId xmlns:a16="http://schemas.microsoft.com/office/drawing/2014/main" id="{8188A293-F616-47EE-8063-40736DB0C20D}"/>
+              </a:ext>
+            </a:extLst>
+          </p:cNvPr>
+          <p:cNvPicPr>
+            <a:picLocks noChangeAspect="1"/>
+          </p:cNvPicPr>
+          <p:nvPr/>
+        </p:nvPicPr>
+        <p:blipFill>
+          <a:blip r:embed="rId3"/>
+          <a:stretch>
+            <a:fillRect/>
+          </a:stretch>
+        </p:blipFill>
+        <p:spPr>
+          <a:xfrm>
+            <a:off x="6537823" y="1529788"/>
+            <a:ext cx="4183965" cy="5302672"/>
+          </a:xfrm>
+          <a:prstGeom prst="rect">
+            <a:avLst/>
+          </a:prstGeom>
+        </p:spPr>
+      </p:pic>
     </p:spTree>
     <p:extLst>
       <p:ext uri="{BB962C8B-B14F-4D97-AF65-F5344CB8AC3E}">
-        <p14:creationId xmlns:p14="http://schemas.microsoft.com/office/powerpoint/2010/main" val="337865563"/>
+        <p14:creationId xmlns:p14="http://schemas.microsoft.com/office/powerpoint/2010/main" val="3235835806"/>
       </p:ext>
     </p:extLst>
   </p:cSld>
